--- a/ITPD/Integration Test Plan Doc.pptx
+++ b/ITPD/Integration Test Plan Doc.pptx
@@ -1,6 +1,6 @@
 
 <file path=ppt/presentation.xml><?xml version="1.0" encoding="utf-8"?>
-<p:presentation xmlns:a="http://schemas.openxmlformats.org/drawingml/2006/main" xmlns:r="http://schemas.openxmlformats.org/officeDocument/2006/relationships" xmlns:p="http://schemas.openxmlformats.org/presentationml/2006/main" autoCompressPictures="0">
+<p:presentation xmlns:a="http://schemas.openxmlformats.org/drawingml/2006/main" xmlns:r="http://schemas.openxmlformats.org/officeDocument/2006/relationships" xmlns:p="http://schemas.openxmlformats.org/presentationml/2006/main" saveSubsetFonts="1" autoCompressPictures="0">
   <p:sldMasterIdLst>
     <p:sldMasterId id="2147483648" r:id="rId1"/>
   </p:sldMasterIdLst>
@@ -311,7 +311,7 @@
             <a:fld id="{B61BEF0D-F0BB-DE4B-95CE-6DB70DBA9567}" type="datetimeFigureOut">
               <a:rPr lang="en-US" dirty="0"/>
               <a:pPr/>
-              <a:t>1/17/2017</a:t>
+              <a:t>1/17/17</a:t>
             </a:fld>
             <a:endParaRPr lang="en-US" dirty="0"/>
           </a:p>
@@ -441,7 +441,7 @@
             <a:fld id="{D57F1E4F-1CFF-5643-939E-217C01CDF565}" type="slidenum">
               <a:rPr lang="en-US" dirty="0"/>
               <a:pPr/>
-              <a:t>‹N›</a:t>
+              <a:t>‹n.›</a:t>
             </a:fld>
             <a:endParaRPr lang="en-US" dirty="0"/>
           </a:p>
@@ -646,7 +646,7 @@
             <a:fld id="{B61BEF0D-F0BB-DE4B-95CE-6DB70DBA9567}" type="datetimeFigureOut">
               <a:rPr lang="en-US" dirty="0"/>
               <a:pPr/>
-              <a:t>1/17/2017</a:t>
+              <a:t>1/17/17</a:t>
             </a:fld>
             <a:endParaRPr lang="en-US" dirty="0"/>
           </a:p>
@@ -776,7 +776,7 @@
             <a:fld id="{D57F1E4F-1CFF-5643-939E-217C01CDF565}" type="slidenum">
               <a:rPr lang="en-US" dirty="0"/>
               <a:pPr/>
-              <a:t>‹N›</a:t>
+              <a:t>‹n.›</a:t>
             </a:fld>
             <a:endParaRPr lang="en-US" dirty="0"/>
           </a:p>
@@ -1044,7 +1044,7 @@
             <a:fld id="{B61BEF0D-F0BB-DE4B-95CE-6DB70DBA9567}" type="datetimeFigureOut">
               <a:rPr lang="en-US" dirty="0"/>
               <a:pPr/>
-              <a:t>1/17/2017</a:t>
+              <a:t>1/17/17</a:t>
             </a:fld>
             <a:endParaRPr lang="en-US" dirty="0"/>
           </a:p>
@@ -1174,7 +1174,7 @@
             <a:fld id="{D57F1E4F-1CFF-5643-939E-217C01CDF565}" type="slidenum">
               <a:rPr lang="en-US" dirty="0"/>
               <a:pPr/>
-              <a:t>‹N›</a:t>
+              <a:t>‹n.›</a:t>
             </a:fld>
             <a:endParaRPr lang="en-US" dirty="0"/>
           </a:p>
@@ -1377,7 +1377,7 @@
             <a:fld id="{B61BEF0D-F0BB-DE4B-95CE-6DB70DBA9567}" type="datetimeFigureOut">
               <a:rPr lang="en-US" dirty="0"/>
               <a:pPr/>
-              <a:t>1/17/2017</a:t>
+              <a:t>1/17/17</a:t>
             </a:fld>
             <a:endParaRPr lang="en-US" dirty="0"/>
           </a:p>
@@ -1507,7 +1507,7 @@
             <a:fld id="{D57F1E4F-1CFF-5643-939E-217C01CDF565}" type="slidenum">
               <a:rPr lang="en-US" dirty="0"/>
               <a:pPr/>
-              <a:t>‹N›</a:t>
+              <a:t>‹n.›</a:t>
             </a:fld>
             <a:endParaRPr lang="en-US" dirty="0"/>
           </a:p>
@@ -1694,7 +1694,7 @@
             <a:fld id="{B61BEF0D-F0BB-DE4B-95CE-6DB70DBA9567}" type="datetimeFigureOut">
               <a:rPr lang="en-US" dirty="0"/>
               <a:pPr/>
-              <a:t>1/17/2017</a:t>
+              <a:t>1/17/17</a:t>
             </a:fld>
             <a:endParaRPr lang="en-US" dirty="0"/>
           </a:p>
@@ -1824,7 +1824,7 @@
             <a:fld id="{D57F1E4F-1CFF-5643-939E-217C01CDF565}" type="slidenum">
               <a:rPr lang="en-US" dirty="0"/>
               <a:pPr/>
-              <a:t>‹N›</a:t>
+              <a:t>‹n.›</a:t>
             </a:fld>
             <a:endParaRPr lang="en-US" dirty="0"/>
           </a:p>
@@ -2087,7 +2087,7 @@
             <a:fld id="{B61BEF0D-F0BB-DE4B-95CE-6DB70DBA9567}" type="datetimeFigureOut">
               <a:rPr lang="en-US" dirty="0"/>
               <a:pPr/>
-              <a:t>1/17/2017</a:t>
+              <a:t>1/17/17</a:t>
             </a:fld>
             <a:endParaRPr lang="en-US" dirty="0"/>
           </a:p>
@@ -2217,7 +2217,7 @@
             <a:fld id="{D57F1E4F-1CFF-5643-939E-217C01CDF565}" type="slidenum">
               <a:rPr lang="en-US" dirty="0"/>
               <a:pPr/>
-              <a:t>‹N›</a:t>
+              <a:t>‹n.›</a:t>
             </a:fld>
             <a:endParaRPr lang="en-US" dirty="0"/>
           </a:p>
@@ -2341,7 +2341,7 @@
             <a:fld id="{B61BEF0D-F0BB-DE4B-95CE-6DB70DBA9567}" type="datetimeFigureOut">
               <a:rPr lang="en-US" dirty="0"/>
               <a:pPr/>
-              <a:t>1/17/2017</a:t>
+              <a:t>1/17/17</a:t>
             </a:fld>
             <a:endParaRPr lang="en-US" dirty="0"/>
           </a:p>
@@ -2466,7 +2466,7 @@
             <a:fld id="{D57F1E4F-1CFF-5643-939E-217C01CDF565}" type="slidenum">
               <a:rPr lang="en-US" dirty="0"/>
               <a:pPr/>
-              <a:t>‹N›</a:t>
+              <a:t>‹n.›</a:t>
             </a:fld>
             <a:endParaRPr lang="en-US" dirty="0"/>
           </a:p>
@@ -2600,7 +2600,7 @@
             <a:fld id="{B61BEF0D-F0BB-DE4B-95CE-6DB70DBA9567}" type="datetimeFigureOut">
               <a:rPr lang="en-US" dirty="0"/>
               <a:pPr/>
-              <a:t>1/17/2017</a:t>
+              <a:t>1/17/17</a:t>
             </a:fld>
             <a:endParaRPr lang="en-US" dirty="0"/>
           </a:p>
@@ -2725,7 +2725,7 @@
             <a:fld id="{D57F1E4F-1CFF-5643-939E-217C01CDF565}" type="slidenum">
               <a:rPr lang="en-US" dirty="0"/>
               <a:pPr/>
-              <a:t>‹N›</a:t>
+              <a:t>‹n.›</a:t>
             </a:fld>
             <a:endParaRPr lang="en-US" dirty="0"/>
           </a:p>
@@ -2859,7 +2859,7 @@
             <a:fld id="{B61BEF0D-F0BB-DE4B-95CE-6DB70DBA9567}" type="datetimeFigureOut">
               <a:rPr lang="en-US" dirty="0"/>
               <a:pPr/>
-              <a:t>1/17/2017</a:t>
+              <a:t>1/17/17</a:t>
             </a:fld>
             <a:endParaRPr lang="en-US" dirty="0"/>
           </a:p>
@@ -2984,7 +2984,7 @@
             <a:fld id="{D57F1E4F-1CFF-5643-939E-217C01CDF565}" type="slidenum">
               <a:rPr lang="en-US" dirty="0"/>
               <a:pPr/>
-              <a:t>‹N›</a:t>
+              <a:t>‹n.›</a:t>
             </a:fld>
             <a:endParaRPr lang="en-US" dirty="0"/>
           </a:p>
@@ -3185,7 +3185,7 @@
             <a:fld id="{B61BEF0D-F0BB-DE4B-95CE-6DB70DBA9567}" type="datetimeFigureOut">
               <a:rPr lang="en-US" dirty="0"/>
               <a:pPr/>
-              <a:t>1/17/2017</a:t>
+              <a:t>1/17/17</a:t>
             </a:fld>
             <a:endParaRPr lang="en-US" dirty="0"/>
           </a:p>
@@ -3315,7 +3315,7 @@
             <a:fld id="{D57F1E4F-1CFF-5643-939E-217C01CDF565}" type="slidenum">
               <a:rPr lang="en-US" dirty="0"/>
               <a:pPr/>
-              <a:t>‹N›</a:t>
+              <a:t>‹n.›</a:t>
             </a:fld>
             <a:endParaRPr lang="en-US" dirty="0"/>
           </a:p>
@@ -3505,7 +3505,7 @@
             <a:fld id="{B61BEF0D-F0BB-DE4B-95CE-6DB70DBA9567}" type="datetimeFigureOut">
               <a:rPr lang="en-US" dirty="0"/>
               <a:pPr/>
-              <a:t>1/17/2017</a:t>
+              <a:t>1/17/17</a:t>
             </a:fld>
             <a:endParaRPr lang="en-US" dirty="0"/>
           </a:p>
@@ -3635,7 +3635,7 @@
             <a:fld id="{D57F1E4F-1CFF-5643-939E-217C01CDF565}" type="slidenum">
               <a:rPr lang="en-US" dirty="0"/>
               <a:pPr/>
-              <a:t>‹N›</a:t>
+              <a:t>‹n.›</a:t>
             </a:fld>
             <a:endParaRPr lang="en-US" dirty="0"/>
           </a:p>
@@ -3959,7 +3959,7 @@
             <a:fld id="{B61BEF0D-F0BB-DE4B-95CE-6DB70DBA9567}" type="datetimeFigureOut">
               <a:rPr lang="en-US" dirty="0"/>
               <a:pPr/>
-              <a:t>1/17/2017</a:t>
+              <a:t>1/17/17</a:t>
             </a:fld>
             <a:endParaRPr lang="en-US" dirty="0"/>
           </a:p>
@@ -4089,7 +4089,7 @@
             <a:fld id="{D57F1E4F-1CFF-5643-939E-217C01CDF565}" type="slidenum">
               <a:rPr lang="en-US" dirty="0"/>
               <a:pPr/>
-              <a:t>‹N›</a:t>
+              <a:t>‹n.›</a:t>
             </a:fld>
             <a:endParaRPr lang="en-US" dirty="0"/>
           </a:p>
@@ -4161,7 +4161,7 @@
             <a:fld id="{B61BEF0D-F0BB-DE4B-95CE-6DB70DBA9567}" type="datetimeFigureOut">
               <a:rPr lang="en-US" dirty="0"/>
               <a:pPr/>
-              <a:t>1/17/2017</a:t>
+              <a:t>1/17/17</a:t>
             </a:fld>
             <a:endParaRPr lang="en-US" dirty="0"/>
           </a:p>
@@ -4286,7 +4286,7 @@
             <a:fld id="{D57F1E4F-1CFF-5643-939E-217C01CDF565}" type="slidenum">
               <a:rPr lang="en-US" dirty="0"/>
               <a:pPr/>
-              <a:t>‹N›</a:t>
+              <a:t>‹n.›</a:t>
             </a:fld>
             <a:endParaRPr lang="en-US" dirty="0"/>
           </a:p>
@@ -4335,7 +4335,7 @@
             <a:fld id="{B61BEF0D-F0BB-DE4B-95CE-6DB70DBA9567}" type="datetimeFigureOut">
               <a:rPr lang="en-US" dirty="0"/>
               <a:pPr/>
-              <a:t>1/17/2017</a:t>
+              <a:t>1/17/17</a:t>
             </a:fld>
             <a:endParaRPr lang="en-US" dirty="0"/>
           </a:p>
@@ -4460,7 +4460,7 @@
             <a:fld id="{D57F1E4F-1CFF-5643-939E-217C01CDF565}" type="slidenum">
               <a:rPr lang="en-US" dirty="0"/>
               <a:pPr/>
-              <a:t>‹N›</a:t>
+              <a:t>‹n.›</a:t>
             </a:fld>
             <a:endParaRPr lang="en-US" dirty="0"/>
           </a:p>
@@ -4665,7 +4665,7 @@
             <a:fld id="{B61BEF0D-F0BB-DE4B-95CE-6DB70DBA9567}" type="datetimeFigureOut">
               <a:rPr lang="en-US" dirty="0"/>
               <a:pPr/>
-              <a:t>1/17/2017</a:t>
+              <a:t>1/17/17</a:t>
             </a:fld>
             <a:endParaRPr lang="en-US" dirty="0"/>
           </a:p>
@@ -4790,7 +4790,7 @@
             <a:fld id="{D57F1E4F-1CFF-5643-939E-217C01CDF565}" type="slidenum">
               <a:rPr lang="en-US" dirty="0"/>
               <a:pPr/>
-              <a:t>‹N›</a:t>
+              <a:t>‹n.›</a:t>
             </a:fld>
             <a:endParaRPr lang="en-US" dirty="0"/>
           </a:p>
@@ -5007,7 +5007,7 @@
             <a:fld id="{B61BEF0D-F0BB-DE4B-95CE-6DB70DBA9567}" type="datetimeFigureOut">
               <a:rPr lang="en-US" dirty="0"/>
               <a:pPr/>
-              <a:t>1/17/2017</a:t>
+              <a:t>1/17/17</a:t>
             </a:fld>
             <a:endParaRPr lang="en-US" dirty="0"/>
           </a:p>
@@ -5137,7 +5137,7 @@
             <a:fld id="{D57F1E4F-1CFF-5643-939E-217C01CDF565}" type="slidenum">
               <a:rPr lang="en-US" dirty="0"/>
               <a:pPr/>
-              <a:t>‹N›</a:t>
+              <a:t>‹n.›</a:t>
             </a:fld>
             <a:endParaRPr lang="en-US" dirty="0"/>
           </a:p>
@@ -7121,7 +7121,7 @@
             <a:fld id="{B61BEF0D-F0BB-DE4B-95CE-6DB70DBA9567}" type="datetimeFigureOut">
               <a:rPr lang="en-US" dirty="0"/>
               <a:pPr/>
-              <a:t>1/17/2017</a:t>
+              <a:t>1/17/17</a:t>
             </a:fld>
             <a:endParaRPr lang="en-US" dirty="0"/>
           </a:p>
@@ -7198,7 +7198,7 @@
             <a:fld id="{D57F1E4F-1CFF-5643-939E-217C01CDF565}" type="slidenum">
               <a:rPr lang="en-US" dirty="0"/>
               <a:pPr/>
-              <a:t>‹N›</a:t>
+              <a:t>‹n.›</a:t>
             </a:fld>
             <a:endParaRPr lang="en-US" dirty="0"/>
           </a:p>
@@ -8171,8 +8171,8 @@
               <a:t>Manual </a:t>
             </a:r>
             <a:r>
-              <a:rPr lang="it-IT" dirty="0" err="1"/>
-              <a:t>Testig</a:t>
+              <a:rPr lang="it-IT" dirty="0" err="1" smtClean="0"/>
+              <a:t>Testing</a:t>
             </a:r>
             <a:endParaRPr lang="it-IT" dirty="0"/>
           </a:p>
@@ -8231,7 +8231,7 @@
               <a:t>Drivers and </a:t>
             </a:r>
             <a:r>
-              <a:rPr lang="it-IT"/>
+              <a:rPr lang="it-IT" dirty="0" err="1"/>
               <a:t>Stubs</a:t>
             </a:r>
             <a:endParaRPr lang="it-IT" dirty="0"/>
